--- a/presentation.pptx
+++ b/presentation.pptx
@@ -5091,16 +5091,12 @@
           <a:lstStyle/>
           <a:p>
             <a:r>
-              <a:rPr lang="it-IT" sz="1700">
+              <a:rPr lang="it-IT" sz="1700" dirty="0">
                 <a:latin typeface="Arial" panose="020B0604020202020204" pitchFamily="34" charset="0"/>
                 <a:cs typeface="Arial" panose="020B0604020202020204" pitchFamily="34" charset="0"/>
               </a:rPr>
-              <a:t>2</a:t>
-            </a:r>
-            <a:endParaRPr lang="it-IT" sz="1700" dirty="0">
-              <a:latin typeface="Arial" panose="020B0604020202020204" pitchFamily="34" charset="0"/>
-              <a:cs typeface="Arial" panose="020B0604020202020204" pitchFamily="34" charset="0"/>
-            </a:endParaRPr>
+              <a:t>8</a:t>
+            </a:r>
           </a:p>
         </p:txBody>
       </p:sp>
@@ -5556,7 +5552,7 @@
       </p:grpSpPr>
       <p:sp>
         <p:nvSpPr>
-          <p:cNvPr id="15" name="Rectangle 14">
+          <p:cNvPr id="24" name="Rectangle 19">
             <a:extLst>
               <a:ext uri="{FF2B5EF4-FFF2-40B4-BE49-F238E27FC236}">
                 <a16:creationId xmlns:a16="http://schemas.microsoft.com/office/drawing/2014/main" id="{42A4FC2C-047E-45A5-965D-8E1E3BF09BC6}"/>
@@ -5711,10 +5707,10 @@
       </p:sp>
       <p:pic>
         <p:nvPicPr>
-          <p:cNvPr id="9" name="Immagine 8" descr="Immagine che contiene cartone animato, testo, vestiti, Viso umano&#10;&#10;Il contenuto generato dall'IA potrebbe non essere corretto.">
-            <a:extLst>
-              <a:ext uri="{FF2B5EF4-FFF2-40B4-BE49-F238E27FC236}">
-                <a16:creationId xmlns:a16="http://schemas.microsoft.com/office/drawing/2014/main" id="{305B9B08-AA42-C9E7-2D3F-F536FCC1B68A}"/>
+          <p:cNvPr id="12" name="Immagine 11">
+            <a:extLst>
+              <a:ext uri="{FF2B5EF4-FFF2-40B4-BE49-F238E27FC236}">
+                <a16:creationId xmlns:a16="http://schemas.microsoft.com/office/drawing/2014/main" id="{7791A391-4E5C-ABB9-ACA9-BEE462041F13}"/>
               </a:ext>
             </a:extLst>
           </p:cNvPr>
@@ -5725,15 +5721,15 @@
         </p:nvPicPr>
         <p:blipFill>
           <a:blip r:embed="rId2"/>
-          <a:srcRect t="17049" b="19583"/>
+          <a:srcRect t="16382" b="20250"/>
           <a:stretch>
             <a:fillRect/>
           </a:stretch>
         </p:blipFill>
         <p:spPr>
           <a:xfrm>
-            <a:off x="20" y="0"/>
-            <a:ext cx="12194260" cy="6858000"/>
+            <a:off x="20" y="1282"/>
+            <a:ext cx="12191980" cy="6856718"/>
           </a:xfrm>
           <a:prstGeom prst="rect">
             <a:avLst/>
@@ -5809,7 +5805,7 @@
                 <a:latin typeface="Arial" panose="020B0604020202020204" pitchFamily="34" charset="0"/>
                 <a:cs typeface="Arial" panose="020B0604020202020204" pitchFamily="34" charset="0"/>
               </a:rPr>
-              <a:t>2</a:t>
+              <a:t>1</a:t>
             </a:r>
           </a:p>
         </p:txBody>
@@ -5906,66 +5902,6 @@
           <a:xfrm>
             <a:off x="7959956" y="947539"/>
             <a:ext cx="3629373" cy="4962921"/>
-          </a:xfrm>
-          <a:prstGeom prst="rect">
-            <a:avLst/>
-          </a:prstGeom>
-        </p:spPr>
-      </p:pic>
-      <p:pic>
-        <p:nvPicPr>
-          <p:cNvPr id="9" name="Immagine 8" descr="Immagine che contiene Elementi grafici, cerchio, logo, simbolo&#10;&#10;Il contenuto generato dall'IA potrebbe non essere corretto.">
-            <a:extLst>
-              <a:ext uri="{FF2B5EF4-FFF2-40B4-BE49-F238E27FC236}">
-                <a16:creationId xmlns:a16="http://schemas.microsoft.com/office/drawing/2014/main" id="{BCFEE0D8-D364-A29A-2568-E573AD480D84}"/>
-              </a:ext>
-            </a:extLst>
-          </p:cNvPr>
-          <p:cNvPicPr>
-            <a:picLocks noChangeAspect="1"/>
-          </p:cNvPicPr>
-          <p:nvPr/>
-        </p:nvPicPr>
-        <p:blipFill>
-          <a:blip r:embed="rId5"/>
-          <a:stretch>
-            <a:fillRect/>
-          </a:stretch>
-        </p:blipFill>
-        <p:spPr>
-          <a:xfrm>
-            <a:off x="1355270" y="2344351"/>
-            <a:ext cx="1084649" cy="1084649"/>
-          </a:xfrm>
-          <a:prstGeom prst="rect">
-            <a:avLst/>
-          </a:prstGeom>
-        </p:spPr>
-      </p:pic>
-      <p:pic>
-        <p:nvPicPr>
-          <p:cNvPr id="11" name="Immagine 10" descr="Immagine che contiene clipart, simbolo, Elementi grafici, cartone animato&#10;&#10;Il contenuto generato dall'IA potrebbe non essere corretto.">
-            <a:extLst>
-              <a:ext uri="{FF2B5EF4-FFF2-40B4-BE49-F238E27FC236}">
-                <a16:creationId xmlns:a16="http://schemas.microsoft.com/office/drawing/2014/main" id="{DD365A95-9E7E-5798-EF5A-BD3787C4E3E7}"/>
-              </a:ext>
-            </a:extLst>
-          </p:cNvPr>
-          <p:cNvPicPr>
-            <a:picLocks noChangeAspect="1"/>
-          </p:cNvPicPr>
-          <p:nvPr/>
-        </p:nvPicPr>
-        <p:blipFill>
-          <a:blip r:embed="rId6"/>
-          <a:stretch>
-            <a:fillRect/>
-          </a:stretch>
-        </p:blipFill>
-        <p:spPr>
-          <a:xfrm>
-            <a:off x="1287189" y="3653636"/>
-            <a:ext cx="1220810" cy="1220810"/>
           </a:xfrm>
           <a:prstGeom prst="rect">
             <a:avLst/>
@@ -6068,6 +6004,135 @@
           </a:fontRef>
         </p:style>
       </p:cxnSp>
+      <p:grpSp>
+        <p:nvGrpSpPr>
+          <p:cNvPr id="3" name="Gruppo 2">
+            <a:extLst>
+              <a:ext uri="{FF2B5EF4-FFF2-40B4-BE49-F238E27FC236}">
+                <a16:creationId xmlns:a16="http://schemas.microsoft.com/office/drawing/2014/main" id="{A600EB84-6E09-DC6F-1C89-41956B24E10C}"/>
+              </a:ext>
+            </a:extLst>
+          </p:cNvPr>
+          <p:cNvGrpSpPr/>
+          <p:nvPr/>
+        </p:nvGrpSpPr>
+        <p:grpSpPr>
+          <a:xfrm>
+            <a:off x="1000906" y="2932383"/>
+            <a:ext cx="1383388" cy="1442506"/>
+            <a:chOff x="5032005" y="1812758"/>
+            <a:chExt cx="1764631" cy="1780673"/>
+          </a:xfrm>
+        </p:grpSpPr>
+        <p:sp>
+          <p:nvSpPr>
+            <p:cNvPr id="6" name="Ovale 5">
+              <a:extLst>
+                <a:ext uri="{FF2B5EF4-FFF2-40B4-BE49-F238E27FC236}">
+                  <a16:creationId xmlns:a16="http://schemas.microsoft.com/office/drawing/2014/main" id="{84B91077-3AE6-7E77-4EE7-1A7B6BE5B946}"/>
+                </a:ext>
+              </a:extLst>
+            </p:cNvPr>
+            <p:cNvSpPr/>
+            <p:nvPr/>
+          </p:nvSpPr>
+          <p:spPr>
+            <a:xfrm>
+              <a:off x="5032005" y="1812758"/>
+              <a:ext cx="1764631" cy="1780673"/>
+            </a:xfrm>
+            <a:prstGeom prst="ellipse">
+              <a:avLst/>
+            </a:prstGeom>
+            <a:solidFill>
+              <a:schemeClr val="bg1"/>
+            </a:solidFill>
+            <a:ln>
+              <a:solidFill>
+                <a:schemeClr val="tx1"/>
+              </a:solidFill>
+            </a:ln>
+          </p:spPr>
+          <p:style>
+            <a:lnRef idx="2">
+              <a:schemeClr val="accent1">
+                <a:shade val="15000"/>
+              </a:schemeClr>
+            </a:lnRef>
+            <a:fillRef idx="1">
+              <a:schemeClr val="accent1"/>
+            </a:fillRef>
+            <a:effectRef idx="0">
+              <a:schemeClr val="accent1"/>
+            </a:effectRef>
+            <a:fontRef idx="minor">
+              <a:schemeClr val="lt1"/>
+            </a:fontRef>
+          </p:style>
+          <p:txBody>
+            <a:bodyPr rtlCol="0" anchor="ctr"/>
+            <a:lstStyle/>
+            <a:p>
+              <a:pPr algn="ctr"/>
+              <a:endParaRPr lang="it-IT"/>
+            </a:p>
+          </p:txBody>
+        </p:sp>
+        <p:pic>
+          <p:nvPicPr>
+            <p:cNvPr id="8" name="Immagine 7" descr="Immagine che contiene clipart, cartone animato, design, illustrazione&#10;&#10;Il contenuto generato dall'IA potrebbe non essere corretto.">
+              <a:extLst>
+                <a:ext uri="{FF2B5EF4-FFF2-40B4-BE49-F238E27FC236}">
+                  <a16:creationId xmlns:a16="http://schemas.microsoft.com/office/drawing/2014/main" id="{2B8326E3-F8CF-7D6F-77B5-B8D6C922A20C}"/>
+                </a:ext>
+              </a:extLst>
+            </p:cNvPr>
+            <p:cNvPicPr>
+              <a:picLocks noChangeAspect="1"/>
+            </p:cNvPicPr>
+            <p:nvPr/>
+          </p:nvPicPr>
+          <p:blipFill>
+            <a:blip r:embed="rId5">
+              <a:extLst>
+                <a:ext uri="{BEBA8EAE-BF5A-486C-A8C5-ECC9F3942E4B}">
+                  <a14:imgProps xmlns:a14="http://schemas.microsoft.com/office/drawing/2010/main">
+                    <a14:imgLayer r:embed="rId6">
+                      <a14:imgEffect>
+                        <a14:backgroundRemoval t="10000" b="90000" l="10000" r="90000">
+                          <a14:foregroundMark x1="58789" y1="25684" x2="58789" y2="25684"/>
+                          <a14:foregroundMark x1="50098" y1="39258" x2="50098" y2="39258"/>
+                          <a14:foregroundMark x1="61328" y1="39258" x2="61328" y2="39258"/>
+                          <a14:foregroundMark x1="62988" y1="47559" x2="62988" y2="47559"/>
+                          <a14:foregroundMark x1="59473" y1="51172" x2="59473" y2="51172"/>
+                          <a14:foregroundMark x1="61328" y1="63281" x2="61328" y2="63281"/>
+                          <a14:foregroundMark x1="74707" y1="62988" x2="74707" y2="62988"/>
+                          <a14:foregroundMark x1="74707" y1="52148" x2="74707" y2="52148"/>
+                          <a14:foregroundMark x1="41113" y1="75488" x2="41113" y2="75488"/>
+                          <a14:foregroundMark x1="68066" y1="47852" x2="68066" y2="47852"/>
+                          <a14:backgroundMark x1="41602" y1="54492" x2="41602" y2="54492"/>
+                        </a14:backgroundRemoval>
+                      </a14:imgEffect>
+                    </a14:imgLayer>
+                  </a14:imgProps>
+                </a:ext>
+              </a:extLst>
+            </a:blip>
+            <a:stretch>
+              <a:fillRect/>
+            </a:stretch>
+          </p:blipFill>
+          <p:spPr>
+            <a:xfrm>
+              <a:off x="5215838" y="2004612"/>
+              <a:ext cx="1396964" cy="1396964"/>
+            </a:xfrm>
+            <a:prstGeom prst="rect">
+              <a:avLst/>
+            </a:prstGeom>
+          </p:spPr>
+        </p:pic>
+      </p:grpSp>
     </p:spTree>
     <p:extLst>
       <p:ext uri="{BB962C8B-B14F-4D97-AF65-F5344CB8AC3E}">
@@ -6473,7 +6538,7 @@
                 <a:latin typeface="Arial" panose="020B0604020202020204" pitchFamily="34" charset="0"/>
                 <a:cs typeface="Arial" panose="020B0604020202020204" pitchFamily="34" charset="0"/>
               </a:rPr>
-              <a:t>2</a:t>
+              <a:t>3</a:t>
             </a:r>
           </a:p>
         </p:txBody>
@@ -6801,7 +6866,7 @@
                 <a:latin typeface="Arial" panose="020B0604020202020204" pitchFamily="34" charset="0"/>
                 <a:cs typeface="Arial" panose="020B0604020202020204" pitchFamily="34" charset="0"/>
               </a:rPr>
-              <a:t>2</a:t>
+              <a:t>4</a:t>
             </a:r>
           </a:p>
         </p:txBody>
@@ -7123,7 +7188,7 @@
                 <a:latin typeface="Arial" panose="020B0604020202020204" pitchFamily="34" charset="0"/>
                 <a:cs typeface="Arial" panose="020B0604020202020204" pitchFamily="34" charset="0"/>
               </a:rPr>
-              <a:t>2</a:t>
+              <a:t>5</a:t>
             </a:r>
           </a:p>
         </p:txBody>
@@ -7422,66 +7487,6 @@
           </a:p>
         </p:txBody>
       </p:sp>
-      <p:pic>
-        <p:nvPicPr>
-          <p:cNvPr id="16" name="Immagine 15" descr="Immagine che contiene Elementi grafici, cerchio, logo, simbolo&#10;&#10;Il contenuto generato dall'IA potrebbe non essere corretto.">
-            <a:extLst>
-              <a:ext uri="{FF2B5EF4-FFF2-40B4-BE49-F238E27FC236}">
-                <a16:creationId xmlns:a16="http://schemas.microsoft.com/office/drawing/2014/main" id="{AD7F370C-3235-292A-C7F6-249A939E27FA}"/>
-              </a:ext>
-            </a:extLst>
-          </p:cNvPr>
-          <p:cNvPicPr>
-            <a:picLocks noChangeAspect="1"/>
-          </p:cNvPicPr>
-          <p:nvPr/>
-        </p:nvPicPr>
-        <p:blipFill>
-          <a:blip r:embed="rId5"/>
-          <a:stretch>
-            <a:fillRect/>
-          </a:stretch>
-        </p:blipFill>
-        <p:spPr>
-          <a:xfrm>
-            <a:off x="1155245" y="3200848"/>
-            <a:ext cx="1084649" cy="1084649"/>
-          </a:xfrm>
-          <a:prstGeom prst="rect">
-            <a:avLst/>
-          </a:prstGeom>
-        </p:spPr>
-      </p:pic>
-      <p:pic>
-        <p:nvPicPr>
-          <p:cNvPr id="17" name="Immagine 16" descr="Immagine che contiene clipart, simbolo, Elementi grafici, cartone animato&#10;&#10;Il contenuto generato dall'IA potrebbe non essere corretto.">
-            <a:extLst>
-              <a:ext uri="{FF2B5EF4-FFF2-40B4-BE49-F238E27FC236}">
-                <a16:creationId xmlns:a16="http://schemas.microsoft.com/office/drawing/2014/main" id="{DC914819-2976-8DB8-3632-D8FD87D9A892}"/>
-              </a:ext>
-            </a:extLst>
-          </p:cNvPr>
-          <p:cNvPicPr>
-            <a:picLocks noChangeAspect="1"/>
-          </p:cNvPicPr>
-          <p:nvPr/>
-        </p:nvPicPr>
-        <p:blipFill>
-          <a:blip r:embed="rId6"/>
-          <a:stretch>
-            <a:fillRect/>
-          </a:stretch>
-        </p:blipFill>
-        <p:spPr>
-          <a:xfrm>
-            <a:off x="1087164" y="4510133"/>
-            <a:ext cx="1220810" cy="1220810"/>
-          </a:xfrm>
-          <a:prstGeom prst="rect">
-            <a:avLst/>
-          </a:prstGeom>
-        </p:spPr>
-      </p:pic>
       <p:cxnSp>
         <p:nvCxnSpPr>
           <p:cNvPr id="18" name="Connettore diritto a freccia 17">
@@ -7530,6 +7535,36 @@
           </a:fontRef>
         </p:style>
       </p:cxnSp>
+      <p:pic>
+        <p:nvPicPr>
+          <p:cNvPr id="29" name="Immagine 28" descr="Immagine che contiene elettronica, Dispositivo elettronico, schermata, Cellulare&#10;&#10;Il contenuto generato dall'IA potrebbe non essere corretto.">
+            <a:extLst>
+              <a:ext uri="{FF2B5EF4-FFF2-40B4-BE49-F238E27FC236}">
+                <a16:creationId xmlns:a16="http://schemas.microsoft.com/office/drawing/2014/main" id="{91E11234-10F4-50B3-96C0-FAC6ACF4B089}"/>
+              </a:ext>
+            </a:extLst>
+          </p:cNvPr>
+          <p:cNvPicPr>
+            <a:picLocks noChangeAspect="1"/>
+          </p:cNvPicPr>
+          <p:nvPr/>
+        </p:nvPicPr>
+        <p:blipFill>
+          <a:blip r:embed="rId5"/>
+          <a:stretch>
+            <a:fillRect/>
+          </a:stretch>
+        </p:blipFill>
+        <p:spPr>
+          <a:xfrm>
+            <a:off x="591717" y="3293661"/>
+            <a:ext cx="2173670" cy="2972347"/>
+          </a:xfrm>
+          <a:prstGeom prst="rect">
+            <a:avLst/>
+          </a:prstGeom>
+        </p:spPr>
+      </p:pic>
     </p:spTree>
     <p:extLst>
       <p:ext uri="{BB962C8B-B14F-4D97-AF65-F5344CB8AC3E}">
@@ -7599,7 +7634,7 @@
                 <a:latin typeface="Arial" panose="020B0604020202020204" pitchFamily="34" charset="0"/>
                 <a:cs typeface="Arial" panose="020B0604020202020204" pitchFamily="34" charset="0"/>
               </a:rPr>
-              <a:t>2</a:t>
+              <a:t>6</a:t>
             </a:r>
           </a:p>
         </p:txBody>
@@ -8015,7 +8050,7 @@
                 <a:latin typeface="Arial" panose="020B0604020202020204" pitchFamily="34" charset="0"/>
                 <a:cs typeface="Arial" panose="020B0604020202020204" pitchFamily="34" charset="0"/>
               </a:rPr>
-              <a:t>2</a:t>
+              <a:t>7</a:t>
             </a:r>
           </a:p>
         </p:txBody>
